--- a/Presentation/ijcnn-altsssom.pptx
+++ b/Presentation/ijcnn-altsssom.pptx
@@ -1435,91 +1435,6 @@
               </a:spcAft>
               <a:buNone/>
             </a:pPr>
-            <a:r>
-              <a:rPr lang="en-US" dirty="0"/>
-              <a:t>In a broad sense, the learning processes can be distinguished based on their fundamentally different types of tasks. </a:t>
-            </a:r>
-          </a:p>
-          <a:p>
-            <a:pPr marL="0" lvl="0" indent="0" algn="l" rtl="0">
-              <a:spcBef>
-                <a:spcPts val="0"/>
-              </a:spcBef>
-              <a:spcAft>
-                <a:spcPts val="0"/>
-              </a:spcAft>
-              <a:buNone/>
-            </a:pPr>
-            <a:endParaRPr lang="en-US" dirty="0"/>
-          </a:p>
-          <a:p>
-            <a:pPr marL="0" lvl="0" indent="0" algn="l" rtl="0">
-              <a:spcBef>
-                <a:spcPts val="0"/>
-              </a:spcBef>
-              <a:spcAft>
-                <a:spcPts val="0"/>
-              </a:spcAft>
-              <a:buNone/>
-            </a:pPr>
-            <a:r>
-              <a:rPr lang="en-US" dirty="0"/>
-              <a:t>In the ﬁrst, called learning with a teacher, or supervised learning, involving only labeled data, the goal is to learn a function that maps an input to an output based on a set of labeled training examples. Each example consists of an input object and a corresponding desired (target) response. </a:t>
-            </a:r>
-          </a:p>
-          <a:p>
-            <a:pPr marL="0" lvl="0" indent="0" algn="l" rtl="0">
-              <a:spcBef>
-                <a:spcPts val="0"/>
-              </a:spcBef>
-              <a:spcAft>
-                <a:spcPts val="0"/>
-              </a:spcAft>
-              <a:buNone/>
-            </a:pPr>
-            <a:endParaRPr lang="en-US" dirty="0"/>
-          </a:p>
-          <a:p>
-            <a:pPr marL="0" lvl="0" indent="0" algn="l" rtl="0">
-              <a:spcBef>
-                <a:spcPts val="0"/>
-              </a:spcBef>
-              <a:spcAft>
-                <a:spcPts val="0"/>
-              </a:spcAft>
-              <a:buNone/>
-            </a:pPr>
-            <a:r>
-              <a:rPr lang="en-US" dirty="0"/>
-              <a:t>In the second, called unsupervised learning, involving only unlabeled data, there is no external teacher or critic to oversee the learning process. Instead, provision is made to ﬁnd interesting structure in the data by learning from its statistical regularities to develop the ability to form internal representations for encoding its features. </a:t>
-            </a:r>
-          </a:p>
-          <a:p>
-            <a:pPr marL="0" lvl="0" indent="0" algn="l" rtl="0">
-              <a:spcBef>
-                <a:spcPts val="0"/>
-              </a:spcBef>
-              <a:spcAft>
-                <a:spcPts val="0"/>
-              </a:spcAft>
-              <a:buNone/>
-            </a:pPr>
-            <a:endParaRPr lang="en-US" dirty="0"/>
-          </a:p>
-          <a:p>
-            <a:pPr marL="0" lvl="0" indent="0" algn="l" rtl="0">
-              <a:spcBef>
-                <a:spcPts val="0"/>
-              </a:spcBef>
-              <a:spcAft>
-                <a:spcPts val="0"/>
-              </a:spcAft>
-              <a:buNone/>
-            </a:pPr>
-            <a:r>
-              <a:rPr lang="en-US" dirty="0"/>
-              <a:t>Finally, in the so-called reinforcement learning, the learning of an input-output mapping is performed through continued interaction with the environment in order to minimize some kind of cost function</a:t>
-            </a:r>
             <a:endParaRPr dirty="0"/>
           </a:p>
         </p:txBody>
@@ -1729,54 +1644,6 @@
           </a:bodyPr>
           <a:lstStyle/>
           <a:p>
-            <a:pPr marL="684798" lvl="1" indent="-285750">
-              <a:buFont typeface="Arial" panose="020B0604020202020204" pitchFamily="34" charset="0"/>
-              <a:buChar char="•"/>
-            </a:pPr>
-            <a:r>
-              <a:rPr lang="en-US" sz="1800" dirty="0">
-                <a:solidFill>
-                  <a:schemeClr val="accent1">
-                    <a:lumMod val="75000"/>
-                  </a:schemeClr>
-                </a:solidFill>
-              </a:rPr>
-              <a:t>Calculated in function of obtained clusters compared to the ground truth</a:t>
-            </a:r>
-          </a:p>
-          <a:p>
-            <a:pPr marL="684798" lvl="1" indent="-285750">
-              <a:buFont typeface="Arial" panose="020B0604020202020204" pitchFamily="34" charset="0"/>
-              <a:buChar char="•"/>
-            </a:pPr>
-            <a:r>
-              <a:rPr lang="en-US" sz="1800" dirty="0">
-                <a:solidFill>
-                  <a:schemeClr val="accent1">
-                    <a:lumMod val="75000"/>
-                  </a:schemeClr>
-                </a:solidFill>
-              </a:rPr>
-              <a:t>Takes into account not only the clusters produced but also the relevant dimensions found in each cluster</a:t>
-            </a:r>
-          </a:p>
-          <a:p>
-            <a:pPr marL="684798" lvl="1" indent="-285750">
-              <a:buFont typeface="Arial" panose="020B0604020202020204" pitchFamily="34" charset="0"/>
-              <a:buChar char="•"/>
-            </a:pPr>
-            <a:r>
-              <a:rPr lang="en-US" sz="1800" dirty="0">
-                <a:solidFill>
-                  <a:schemeClr val="accent1">
-                    <a:lumMod val="75000"/>
-                  </a:schemeClr>
-                </a:solidFill>
-              </a:rPr>
-              <a:t>Penalizes results with too many clusters</a:t>
-            </a:r>
-          </a:p>
-          <a:p>
             <a:pPr marL="0" lvl="0" indent="0" algn="l" rtl="0">
               <a:spcBef>
                 <a:spcPts val="0"/>
@@ -2727,91 +2594,6 @@
               </a:spcAft>
               <a:buNone/>
             </a:pPr>
-            <a:r>
-              <a:rPr lang="en-US" dirty="0"/>
-              <a:t>In a broad sense, the learning processes can be distinguished based on their fundamentally different types of tasks. </a:t>
-            </a:r>
-          </a:p>
-          <a:p>
-            <a:pPr marL="0" lvl="0" indent="0" algn="l" rtl="0">
-              <a:spcBef>
-                <a:spcPts val="0"/>
-              </a:spcBef>
-              <a:spcAft>
-                <a:spcPts val="0"/>
-              </a:spcAft>
-              <a:buNone/>
-            </a:pPr>
-            <a:endParaRPr lang="en-US" dirty="0"/>
-          </a:p>
-          <a:p>
-            <a:pPr marL="0" lvl="0" indent="0" algn="l" rtl="0">
-              <a:spcBef>
-                <a:spcPts val="0"/>
-              </a:spcBef>
-              <a:spcAft>
-                <a:spcPts val="0"/>
-              </a:spcAft>
-              <a:buNone/>
-            </a:pPr>
-            <a:r>
-              <a:rPr lang="en-US" dirty="0"/>
-              <a:t>In the ﬁrst, called learning with a teacher, or supervised learning, involving only labeled data, the goal is to learn a function that maps an input to an output based on a set of labeled training examples. Each example consists of an input object and a corresponding desired (target) response. </a:t>
-            </a:r>
-          </a:p>
-          <a:p>
-            <a:pPr marL="0" lvl="0" indent="0" algn="l" rtl="0">
-              <a:spcBef>
-                <a:spcPts val="0"/>
-              </a:spcBef>
-              <a:spcAft>
-                <a:spcPts val="0"/>
-              </a:spcAft>
-              <a:buNone/>
-            </a:pPr>
-            <a:endParaRPr lang="en-US" dirty="0"/>
-          </a:p>
-          <a:p>
-            <a:pPr marL="0" lvl="0" indent="0" algn="l" rtl="0">
-              <a:spcBef>
-                <a:spcPts val="0"/>
-              </a:spcBef>
-              <a:spcAft>
-                <a:spcPts val="0"/>
-              </a:spcAft>
-              <a:buNone/>
-            </a:pPr>
-            <a:r>
-              <a:rPr lang="en-US" dirty="0"/>
-              <a:t>In the second, called unsupervised learning, involving only unlabeled data, there is no external teacher or critic to oversee the learning process. Instead, provision is made to ﬁnd interesting structure in the data by learning from its statistical regularities to develop the ability to form internal representations for encoding its features. </a:t>
-            </a:r>
-          </a:p>
-          <a:p>
-            <a:pPr marL="0" lvl="0" indent="0" algn="l" rtl="0">
-              <a:spcBef>
-                <a:spcPts val="0"/>
-              </a:spcBef>
-              <a:spcAft>
-                <a:spcPts val="0"/>
-              </a:spcAft>
-              <a:buNone/>
-            </a:pPr>
-            <a:endParaRPr lang="en-US" dirty="0"/>
-          </a:p>
-          <a:p>
-            <a:pPr marL="0" lvl="0" indent="0" algn="l" rtl="0">
-              <a:spcBef>
-                <a:spcPts val="0"/>
-              </a:spcBef>
-              <a:spcAft>
-                <a:spcPts val="0"/>
-              </a:spcAft>
-              <a:buNone/>
-            </a:pPr>
-            <a:r>
-              <a:rPr lang="en-US" dirty="0"/>
-              <a:t>Finally, in the so-called reinforcement learning, the learning of an input-output mapping is performed through continued interaction with the environment in order to minimize some kind of cost function</a:t>
-            </a:r>
             <a:endParaRPr dirty="0"/>
           </a:p>
         </p:txBody>
@@ -2921,91 +2703,6 @@
               </a:spcAft>
               <a:buNone/>
             </a:pPr>
-            <a:r>
-              <a:rPr lang="en-US" dirty="0"/>
-              <a:t>In a broad sense, the learning processes can be distinguished based on their fundamentally different types of tasks. </a:t>
-            </a:r>
-          </a:p>
-          <a:p>
-            <a:pPr marL="0" lvl="0" indent="0" algn="l" rtl="0">
-              <a:spcBef>
-                <a:spcPts val="0"/>
-              </a:spcBef>
-              <a:spcAft>
-                <a:spcPts val="0"/>
-              </a:spcAft>
-              <a:buNone/>
-            </a:pPr>
-            <a:endParaRPr lang="en-US" dirty="0"/>
-          </a:p>
-          <a:p>
-            <a:pPr marL="0" lvl="0" indent="0" algn="l" rtl="0">
-              <a:spcBef>
-                <a:spcPts val="0"/>
-              </a:spcBef>
-              <a:spcAft>
-                <a:spcPts val="0"/>
-              </a:spcAft>
-              <a:buNone/>
-            </a:pPr>
-            <a:r>
-              <a:rPr lang="en-US" dirty="0"/>
-              <a:t>In the ﬁrst, called learning with a teacher, or supervised learning, involving only labeled data, the goal is to learn a function that maps an input to an output based on a set of labeled training examples. Each example consists of an input object and a corresponding desired (target) response. </a:t>
-            </a:r>
-          </a:p>
-          <a:p>
-            <a:pPr marL="0" lvl="0" indent="0" algn="l" rtl="0">
-              <a:spcBef>
-                <a:spcPts val="0"/>
-              </a:spcBef>
-              <a:spcAft>
-                <a:spcPts val="0"/>
-              </a:spcAft>
-              <a:buNone/>
-            </a:pPr>
-            <a:endParaRPr lang="en-US" dirty="0"/>
-          </a:p>
-          <a:p>
-            <a:pPr marL="0" lvl="0" indent="0" algn="l" rtl="0">
-              <a:spcBef>
-                <a:spcPts val="0"/>
-              </a:spcBef>
-              <a:spcAft>
-                <a:spcPts val="0"/>
-              </a:spcAft>
-              <a:buNone/>
-            </a:pPr>
-            <a:r>
-              <a:rPr lang="en-US" dirty="0"/>
-              <a:t>In the second, called unsupervised learning, involving only unlabeled data, there is no external teacher or critic to oversee the learning process. Instead, provision is made to ﬁnd interesting structure in the data by learning from its statistical regularities to develop the ability to form internal representations for encoding its features. </a:t>
-            </a:r>
-          </a:p>
-          <a:p>
-            <a:pPr marL="0" lvl="0" indent="0" algn="l" rtl="0">
-              <a:spcBef>
-                <a:spcPts val="0"/>
-              </a:spcBef>
-              <a:spcAft>
-                <a:spcPts val="0"/>
-              </a:spcAft>
-              <a:buNone/>
-            </a:pPr>
-            <a:endParaRPr lang="en-US" dirty="0"/>
-          </a:p>
-          <a:p>
-            <a:pPr marL="0" lvl="0" indent="0" algn="l" rtl="0">
-              <a:spcBef>
-                <a:spcPts val="0"/>
-              </a:spcBef>
-              <a:spcAft>
-                <a:spcPts val="0"/>
-              </a:spcAft>
-              <a:buNone/>
-            </a:pPr>
-            <a:r>
-              <a:rPr lang="en-US" dirty="0"/>
-              <a:t>Finally, in the so-called reinforcement learning, the learning of an input-output mapping is performed through continued interaction with the environment in order to minimize some kind of cost function</a:t>
-            </a:r>
             <a:endParaRPr dirty="0"/>
           </a:p>
         </p:txBody>
@@ -3284,43 +2981,6 @@
         <p:txBody>
           <a:bodyPr/>
           <a:lstStyle/>
-          <a:p>
-            <a:pPr lvl="1"/>
-            <a:r>
-              <a:rPr lang="en-US" sz="2000" dirty="0"/>
-              <a:t>Semi-supervised K-means-based methods were very successful demonstrating their advantages over standard approaches. It can be viewed as an instance of the EM algorithm. The labeled data provides prior information about the conditional distribution of hidden category labels, working as a guide for the clustering process.</a:t>
-            </a:r>
-          </a:p>
-          <a:p>
-            <a:pPr lvl="1"/>
-            <a:endParaRPr lang="en-US" sz="2000" dirty="0"/>
-          </a:p>
-          <a:p>
-            <a:pPr lvl="1"/>
-            <a:r>
-              <a:rPr lang="en-US" sz="2000" dirty="0"/>
-              <a:t>Label propagation (LP) is another approach for SSL. LP methods operate on proximity graphs or connected structures to spread and propagate information about the class to nearby nodes according to a similarity matrix. It is based on the assumption that nearby entities should belong to the same class, in contrast to far away entities  (Zhu and </a:t>
-            </a:r>
-            <a:r>
-              <a:rPr lang="en-US" sz="2000" dirty="0" err="1"/>
-              <a:t>Ghahramani</a:t>
-            </a:r>
-            <a:r>
-              <a:rPr lang="en-US" sz="2000" dirty="0"/>
-              <a:t>, 2002)</a:t>
-            </a:r>
-          </a:p>
-          <a:p>
-            <a:pPr lvl="1"/>
-            <a:endParaRPr lang="en-US" sz="2000" dirty="0"/>
-          </a:p>
-          <a:p>
-            <a:pPr lvl="1"/>
-            <a:r>
-              <a:rPr lang="en-US" sz="2000" dirty="0"/>
-              <a:t>A similar alternative to LP is called Label Spreading (LS). It differs from LP in modiﬁcations to the similarity matrix. LP uses the raw similarity matrix constructed from the data with no changes, whereas LS minimizes a loss function that has regularization properties allowing it to be often better regarding robustness to noise (Zhou et al., 2004)</a:t>
-            </a:r>
-          </a:p>
           <a:p>
             <a:endParaRPr lang="en-US" dirty="0"/>
           </a:p>
@@ -5677,7 +5337,7 @@
           <a:p>
             <a:fld id="{A319057F-999F-1442-BEB7-CEE435006D9F}" type="datetime1">
               <a:rPr lang="en-US" smtClean="0"/>
-              <a:t>7/15/19</a:t>
+              <a:t>7/20/19</a:t>
             </a:fld>
             <a:endParaRPr lang="en-US"/>
           </a:p>
@@ -19189,25 +18849,8 @@
                   </a:schemeClr>
                 </a:solidFill>
               </a:rPr>
-              <a:t>Clustering Error (</a:t>
+              <a:t>Clustering Error (CE)</a:t>
             </a:r>
-            <a:r>
-              <a:rPr lang="en-US" sz="1800">
-                <a:solidFill>
-                  <a:schemeClr val="accent1">
-                    <a:lumMod val="75000"/>
-                  </a:schemeClr>
-                </a:solidFill>
-              </a:rPr>
-              <a:t>CE)</a:t>
-            </a:r>
-            <a:endParaRPr lang="en-US" sz="1800" dirty="0">
-              <a:solidFill>
-                <a:schemeClr val="accent1">
-                  <a:lumMod val="75000"/>
-                </a:schemeClr>
-              </a:solidFill>
-            </a:endParaRPr>
           </a:p>
           <a:p>
             <a:pPr marL="414338" indent="-385763" algn="just">
@@ -33125,7 +32768,7 @@
                   <a:srgbClr val="7ECEFD"/>
                 </a:solidFill>
               </a:rPr>
-              <a:t>7.</a:t>
+              <a:t>5.</a:t>
             </a:r>
             <a:endParaRPr sz="5400" dirty="0">
               <a:solidFill>
@@ -33296,7 +32939,7 @@
                   </a:schemeClr>
                 </a:solidFill>
               </a:rPr>
-              <a:t>ALTSS-SOM was put on trial in a scenario of full supervision: even though not being built for that, both models presented good results, being better than or at least close to the best methods.</a:t>
+              <a:t>ALTSS-SOM was put on trial in a scenario of full supervision, even though not being built for that, and presented good results, being better than or at least close to the best methods.</a:t>
             </a:r>
           </a:p>
           <a:p>
